--- a/ppt 16-9/0770.我们不会忘记.pptx
+++ b/ppt 16-9/0770.我们不会忘记.pptx
@@ -129,7 +129,7 @@
           <p:cNvPr id="2" name="标题 1">
             <a:extLst>
               <a:ext uri="{FF2B5EF4-FFF2-40B4-BE49-F238E27FC236}">
-                <a16:creationId xmlns:a16="http://schemas.microsoft.com/office/drawing/2014/main" id="{72945CBE-3745-C798-6284-6A075393E0B8}"/>
+                <a16:creationId xmlns:a16="http://schemas.microsoft.com/office/drawing/2014/main" id="{8B9AB372-5652-7F29-685A-D5513DED685D}"/>
               </a:ext>
             </a:extLst>
           </p:cNvPr>
@@ -166,7 +166,7 @@
           <p:cNvPr id="3" name="副标题 2">
             <a:extLst>
               <a:ext uri="{FF2B5EF4-FFF2-40B4-BE49-F238E27FC236}">
-                <a16:creationId xmlns:a16="http://schemas.microsoft.com/office/drawing/2014/main" id="{534EA17B-AFA6-ABAA-CF2B-5BC76424F4A8}"/>
+                <a16:creationId xmlns:a16="http://schemas.microsoft.com/office/drawing/2014/main" id="{39E1452E-A031-EC91-F2F8-A6208CC87F3C}"/>
               </a:ext>
             </a:extLst>
           </p:cNvPr>
@@ -236,7 +236,7 @@
           <p:cNvPr id="4" name="日期占位符 3">
             <a:extLst>
               <a:ext uri="{FF2B5EF4-FFF2-40B4-BE49-F238E27FC236}">
-                <a16:creationId xmlns:a16="http://schemas.microsoft.com/office/drawing/2014/main" id="{662DC0AE-BE3D-CFB2-5B1A-433D821B324C}"/>
+                <a16:creationId xmlns:a16="http://schemas.microsoft.com/office/drawing/2014/main" id="{C2E58C5A-4961-81AF-0322-1B0BCB05E545}"/>
               </a:ext>
             </a:extLst>
           </p:cNvPr>
@@ -252,7 +252,7 @@
           <a:bodyPr/>
           <a:lstStyle/>
           <a:p>
-            <a:fld id="{C74F8C3B-DA85-4D14-A413-456B97E9042D}" type="datetimeFigureOut">
+            <a:fld id="{47372F97-C657-408B-ADD5-8B8782F29EDB}" type="datetimeFigureOut">
               <a:rPr lang="zh-CN" altLang="en-US" smtClean="0"/>
               <a:t>2024/3/10</a:t>
             </a:fld>
@@ -265,7 +265,7 @@
           <p:cNvPr id="5" name="页脚占位符 4">
             <a:extLst>
               <a:ext uri="{FF2B5EF4-FFF2-40B4-BE49-F238E27FC236}">
-                <a16:creationId xmlns:a16="http://schemas.microsoft.com/office/drawing/2014/main" id="{C24AD04D-6372-6746-A722-C81E50ACF883}"/>
+                <a16:creationId xmlns:a16="http://schemas.microsoft.com/office/drawing/2014/main" id="{39C31C20-727E-2F51-F522-79B237159C7C}"/>
               </a:ext>
             </a:extLst>
           </p:cNvPr>
@@ -290,7 +290,7 @@
           <p:cNvPr id="6" name="灯片编号占位符 5">
             <a:extLst>
               <a:ext uri="{FF2B5EF4-FFF2-40B4-BE49-F238E27FC236}">
-                <a16:creationId xmlns:a16="http://schemas.microsoft.com/office/drawing/2014/main" id="{1E4A718C-C1CC-E0B8-4555-52748526E572}"/>
+                <a16:creationId xmlns:a16="http://schemas.microsoft.com/office/drawing/2014/main" id="{861840B5-716A-FA61-3A8B-EC1B5600B128}"/>
               </a:ext>
             </a:extLst>
           </p:cNvPr>
@@ -306,7 +306,7 @@
           <a:bodyPr/>
           <a:lstStyle/>
           <a:p>
-            <a:fld id="{A480D7B3-F9E7-4D37-9FC0-1632B71FE2B1}" type="slidenum">
+            <a:fld id="{6D93A34F-2A70-49E5-95AE-03A12C80B995}" type="slidenum">
               <a:rPr lang="zh-CN" altLang="en-US" smtClean="0"/>
               <a:t>‹#›</a:t>
             </a:fld>
@@ -317,7 +317,7 @@
     </p:spTree>
     <p:extLst>
       <p:ext uri="{BB962C8B-B14F-4D97-AF65-F5344CB8AC3E}">
-        <p14:creationId xmlns:p14="http://schemas.microsoft.com/office/powerpoint/2010/main" val="2555277771"/>
+        <p14:creationId xmlns:p14="http://schemas.microsoft.com/office/powerpoint/2010/main" val="1846702010"/>
       </p:ext>
     </p:extLst>
   </p:cSld>
@@ -349,7 +349,7 @@
           <p:cNvPr id="2" name="标题 1">
             <a:extLst>
               <a:ext uri="{FF2B5EF4-FFF2-40B4-BE49-F238E27FC236}">
-                <a16:creationId xmlns:a16="http://schemas.microsoft.com/office/drawing/2014/main" id="{10464EB8-36E6-7B50-B9EA-AB36ABF2897D}"/>
+                <a16:creationId xmlns:a16="http://schemas.microsoft.com/office/drawing/2014/main" id="{8B4873D7-1CDE-913D-A9FF-E036813F3392}"/>
               </a:ext>
             </a:extLst>
           </p:cNvPr>
@@ -377,7 +377,7 @@
           <p:cNvPr id="3" name="竖排文字占位符 2">
             <a:extLst>
               <a:ext uri="{FF2B5EF4-FFF2-40B4-BE49-F238E27FC236}">
-                <a16:creationId xmlns:a16="http://schemas.microsoft.com/office/drawing/2014/main" id="{D5AB3C18-201D-AB6D-FFEE-E79FFA06A691}"/>
+                <a16:creationId xmlns:a16="http://schemas.microsoft.com/office/drawing/2014/main" id="{F1AAB69E-FEF9-6D7B-CC83-FF49B5A1AF51}"/>
               </a:ext>
             </a:extLst>
           </p:cNvPr>
@@ -434,7 +434,7 @@
           <p:cNvPr id="4" name="日期占位符 3">
             <a:extLst>
               <a:ext uri="{FF2B5EF4-FFF2-40B4-BE49-F238E27FC236}">
-                <a16:creationId xmlns:a16="http://schemas.microsoft.com/office/drawing/2014/main" id="{1BA79E22-E1D8-3452-D0FA-211233EB3A00}"/>
+                <a16:creationId xmlns:a16="http://schemas.microsoft.com/office/drawing/2014/main" id="{B9F469FF-AF16-3996-41A7-B7EB6F7BBE36}"/>
               </a:ext>
             </a:extLst>
           </p:cNvPr>
@@ -450,7 +450,7 @@
           <a:bodyPr/>
           <a:lstStyle/>
           <a:p>
-            <a:fld id="{C74F8C3B-DA85-4D14-A413-456B97E9042D}" type="datetimeFigureOut">
+            <a:fld id="{47372F97-C657-408B-ADD5-8B8782F29EDB}" type="datetimeFigureOut">
               <a:rPr lang="zh-CN" altLang="en-US" smtClean="0"/>
               <a:t>2024/3/10</a:t>
             </a:fld>
@@ -463,7 +463,7 @@
           <p:cNvPr id="5" name="页脚占位符 4">
             <a:extLst>
               <a:ext uri="{FF2B5EF4-FFF2-40B4-BE49-F238E27FC236}">
-                <a16:creationId xmlns:a16="http://schemas.microsoft.com/office/drawing/2014/main" id="{3C39155A-A57C-BACA-B405-4EDE824996ED}"/>
+                <a16:creationId xmlns:a16="http://schemas.microsoft.com/office/drawing/2014/main" id="{55216817-69B0-CCED-AC3E-9FD6FDDBE37D}"/>
               </a:ext>
             </a:extLst>
           </p:cNvPr>
@@ -488,7 +488,7 @@
           <p:cNvPr id="6" name="灯片编号占位符 5">
             <a:extLst>
               <a:ext uri="{FF2B5EF4-FFF2-40B4-BE49-F238E27FC236}">
-                <a16:creationId xmlns:a16="http://schemas.microsoft.com/office/drawing/2014/main" id="{50B64377-1487-8631-5A3B-11FE9BB05B75}"/>
+                <a16:creationId xmlns:a16="http://schemas.microsoft.com/office/drawing/2014/main" id="{FEB262B9-96A1-97D5-C8FF-2BA9149B4BDA}"/>
               </a:ext>
             </a:extLst>
           </p:cNvPr>
@@ -504,7 +504,7 @@
           <a:bodyPr/>
           <a:lstStyle/>
           <a:p>
-            <a:fld id="{A480D7B3-F9E7-4D37-9FC0-1632B71FE2B1}" type="slidenum">
+            <a:fld id="{6D93A34F-2A70-49E5-95AE-03A12C80B995}" type="slidenum">
               <a:rPr lang="zh-CN" altLang="en-US" smtClean="0"/>
               <a:t>‹#›</a:t>
             </a:fld>
@@ -515,7 +515,7 @@
     </p:spTree>
     <p:extLst>
       <p:ext uri="{BB962C8B-B14F-4D97-AF65-F5344CB8AC3E}">
-        <p14:creationId xmlns:p14="http://schemas.microsoft.com/office/powerpoint/2010/main" val="4000670531"/>
+        <p14:creationId xmlns:p14="http://schemas.microsoft.com/office/powerpoint/2010/main" val="2525701998"/>
       </p:ext>
     </p:extLst>
   </p:cSld>
@@ -547,7 +547,7 @@
           <p:cNvPr id="2" name="竖排标题 1">
             <a:extLst>
               <a:ext uri="{FF2B5EF4-FFF2-40B4-BE49-F238E27FC236}">
-                <a16:creationId xmlns:a16="http://schemas.microsoft.com/office/drawing/2014/main" id="{1727E3A9-DEF9-C9F7-FA38-821B3D29D5D0}"/>
+                <a16:creationId xmlns:a16="http://schemas.microsoft.com/office/drawing/2014/main" id="{F18B20CF-C33D-E530-653B-B3838E321267}"/>
               </a:ext>
             </a:extLst>
           </p:cNvPr>
@@ -580,7 +580,7 @@
           <p:cNvPr id="3" name="竖排文字占位符 2">
             <a:extLst>
               <a:ext uri="{FF2B5EF4-FFF2-40B4-BE49-F238E27FC236}">
-                <a16:creationId xmlns:a16="http://schemas.microsoft.com/office/drawing/2014/main" id="{3519270C-1257-A5B6-8F31-84191A4DFC28}"/>
+                <a16:creationId xmlns:a16="http://schemas.microsoft.com/office/drawing/2014/main" id="{45FFDAB9-6907-06E6-C087-1FCE11E5B14C}"/>
               </a:ext>
             </a:extLst>
           </p:cNvPr>
@@ -642,7 +642,7 @@
           <p:cNvPr id="4" name="日期占位符 3">
             <a:extLst>
               <a:ext uri="{FF2B5EF4-FFF2-40B4-BE49-F238E27FC236}">
-                <a16:creationId xmlns:a16="http://schemas.microsoft.com/office/drawing/2014/main" id="{4374135F-6229-87F5-D439-DD5CDB31533B}"/>
+                <a16:creationId xmlns:a16="http://schemas.microsoft.com/office/drawing/2014/main" id="{6527F398-D8B8-8E28-3A52-CA15460D951A}"/>
               </a:ext>
             </a:extLst>
           </p:cNvPr>
@@ -658,7 +658,7 @@
           <a:bodyPr/>
           <a:lstStyle/>
           <a:p>
-            <a:fld id="{C74F8C3B-DA85-4D14-A413-456B97E9042D}" type="datetimeFigureOut">
+            <a:fld id="{47372F97-C657-408B-ADD5-8B8782F29EDB}" type="datetimeFigureOut">
               <a:rPr lang="zh-CN" altLang="en-US" smtClean="0"/>
               <a:t>2024/3/10</a:t>
             </a:fld>
@@ -671,7 +671,7 @@
           <p:cNvPr id="5" name="页脚占位符 4">
             <a:extLst>
               <a:ext uri="{FF2B5EF4-FFF2-40B4-BE49-F238E27FC236}">
-                <a16:creationId xmlns:a16="http://schemas.microsoft.com/office/drawing/2014/main" id="{5028CB50-E131-8A5E-8341-26519C694495}"/>
+                <a16:creationId xmlns:a16="http://schemas.microsoft.com/office/drawing/2014/main" id="{AB25CD09-3CC6-8614-33E9-09F69353AF5C}"/>
               </a:ext>
             </a:extLst>
           </p:cNvPr>
@@ -696,7 +696,7 @@
           <p:cNvPr id="6" name="灯片编号占位符 5">
             <a:extLst>
               <a:ext uri="{FF2B5EF4-FFF2-40B4-BE49-F238E27FC236}">
-                <a16:creationId xmlns:a16="http://schemas.microsoft.com/office/drawing/2014/main" id="{46280EEA-85AE-CFEF-5724-940510E1B484}"/>
+                <a16:creationId xmlns:a16="http://schemas.microsoft.com/office/drawing/2014/main" id="{7E33BF28-580E-D0D8-FF17-FA8ADB1F3B0A}"/>
               </a:ext>
             </a:extLst>
           </p:cNvPr>
@@ -712,7 +712,7 @@
           <a:bodyPr/>
           <a:lstStyle/>
           <a:p>
-            <a:fld id="{A480D7B3-F9E7-4D37-9FC0-1632B71FE2B1}" type="slidenum">
+            <a:fld id="{6D93A34F-2A70-49E5-95AE-03A12C80B995}" type="slidenum">
               <a:rPr lang="zh-CN" altLang="en-US" smtClean="0"/>
               <a:t>‹#›</a:t>
             </a:fld>
@@ -723,7 +723,7 @@
     </p:spTree>
     <p:extLst>
       <p:ext uri="{BB962C8B-B14F-4D97-AF65-F5344CB8AC3E}">
-        <p14:creationId xmlns:p14="http://schemas.microsoft.com/office/powerpoint/2010/main" val="2381998150"/>
+        <p14:creationId xmlns:p14="http://schemas.microsoft.com/office/powerpoint/2010/main" val="2070853467"/>
       </p:ext>
     </p:extLst>
   </p:cSld>
@@ -755,7 +755,7 @@
           <p:cNvPr id="2" name="标题 1">
             <a:extLst>
               <a:ext uri="{FF2B5EF4-FFF2-40B4-BE49-F238E27FC236}">
-                <a16:creationId xmlns:a16="http://schemas.microsoft.com/office/drawing/2014/main" id="{E93B90A9-81D0-2886-AC2C-727E03EFEE92}"/>
+                <a16:creationId xmlns:a16="http://schemas.microsoft.com/office/drawing/2014/main" id="{99D79522-7A97-F5E2-7B46-7D5DCBA2AADE}"/>
               </a:ext>
             </a:extLst>
           </p:cNvPr>
@@ -783,7 +783,7 @@
           <p:cNvPr id="3" name="内容占位符 2">
             <a:extLst>
               <a:ext uri="{FF2B5EF4-FFF2-40B4-BE49-F238E27FC236}">
-                <a16:creationId xmlns:a16="http://schemas.microsoft.com/office/drawing/2014/main" id="{433D45F9-E056-D531-3115-FF1FE41ECA1C}"/>
+                <a16:creationId xmlns:a16="http://schemas.microsoft.com/office/drawing/2014/main" id="{8DBEC550-2817-9057-C3B2-B9C345E569D3}"/>
               </a:ext>
             </a:extLst>
           </p:cNvPr>
@@ -840,7 +840,7 @@
           <p:cNvPr id="4" name="日期占位符 3">
             <a:extLst>
               <a:ext uri="{FF2B5EF4-FFF2-40B4-BE49-F238E27FC236}">
-                <a16:creationId xmlns:a16="http://schemas.microsoft.com/office/drawing/2014/main" id="{102F00EA-88C7-9743-E76D-21E444827CC3}"/>
+                <a16:creationId xmlns:a16="http://schemas.microsoft.com/office/drawing/2014/main" id="{69C130F8-EC03-3FA9-5A4F-A00821AB0630}"/>
               </a:ext>
             </a:extLst>
           </p:cNvPr>
@@ -856,7 +856,7 @@
           <a:bodyPr/>
           <a:lstStyle/>
           <a:p>
-            <a:fld id="{C74F8C3B-DA85-4D14-A413-456B97E9042D}" type="datetimeFigureOut">
+            <a:fld id="{47372F97-C657-408B-ADD5-8B8782F29EDB}" type="datetimeFigureOut">
               <a:rPr lang="zh-CN" altLang="en-US" smtClean="0"/>
               <a:t>2024/3/10</a:t>
             </a:fld>
@@ -869,7 +869,7 @@
           <p:cNvPr id="5" name="页脚占位符 4">
             <a:extLst>
               <a:ext uri="{FF2B5EF4-FFF2-40B4-BE49-F238E27FC236}">
-                <a16:creationId xmlns:a16="http://schemas.microsoft.com/office/drawing/2014/main" id="{A0C9BD49-295A-E6D2-3381-30737877D70C}"/>
+                <a16:creationId xmlns:a16="http://schemas.microsoft.com/office/drawing/2014/main" id="{D3B36D26-DE88-671F-88BD-5841A3F3BB59}"/>
               </a:ext>
             </a:extLst>
           </p:cNvPr>
@@ -894,7 +894,7 @@
           <p:cNvPr id="6" name="灯片编号占位符 5">
             <a:extLst>
               <a:ext uri="{FF2B5EF4-FFF2-40B4-BE49-F238E27FC236}">
-                <a16:creationId xmlns:a16="http://schemas.microsoft.com/office/drawing/2014/main" id="{831CBBC7-F04D-BDBA-20B1-105595379FB9}"/>
+                <a16:creationId xmlns:a16="http://schemas.microsoft.com/office/drawing/2014/main" id="{17029AAD-B89E-7A74-509D-A11F2E2A7790}"/>
               </a:ext>
             </a:extLst>
           </p:cNvPr>
@@ -910,7 +910,7 @@
           <a:bodyPr/>
           <a:lstStyle/>
           <a:p>
-            <a:fld id="{A480D7B3-F9E7-4D37-9FC0-1632B71FE2B1}" type="slidenum">
+            <a:fld id="{6D93A34F-2A70-49E5-95AE-03A12C80B995}" type="slidenum">
               <a:rPr lang="zh-CN" altLang="en-US" smtClean="0"/>
               <a:t>‹#›</a:t>
             </a:fld>
@@ -921,7 +921,7 @@
     </p:spTree>
     <p:extLst>
       <p:ext uri="{BB962C8B-B14F-4D97-AF65-F5344CB8AC3E}">
-        <p14:creationId xmlns:p14="http://schemas.microsoft.com/office/powerpoint/2010/main" val="1897688862"/>
+        <p14:creationId xmlns:p14="http://schemas.microsoft.com/office/powerpoint/2010/main" val="4099541252"/>
       </p:ext>
     </p:extLst>
   </p:cSld>
@@ -953,7 +953,7 @@
           <p:cNvPr id="2" name="标题 1">
             <a:extLst>
               <a:ext uri="{FF2B5EF4-FFF2-40B4-BE49-F238E27FC236}">
-                <a16:creationId xmlns:a16="http://schemas.microsoft.com/office/drawing/2014/main" id="{BF965C45-EE19-FC7B-0C99-F51152E5A297}"/>
+                <a16:creationId xmlns:a16="http://schemas.microsoft.com/office/drawing/2014/main" id="{0871AAA4-A562-C290-4D11-2A3EE0B44108}"/>
               </a:ext>
             </a:extLst>
           </p:cNvPr>
@@ -990,7 +990,7 @@
           <p:cNvPr id="3" name="文本占位符 2">
             <a:extLst>
               <a:ext uri="{FF2B5EF4-FFF2-40B4-BE49-F238E27FC236}">
-                <a16:creationId xmlns:a16="http://schemas.microsoft.com/office/drawing/2014/main" id="{9121F7C3-3252-F36E-306B-7843B22531E5}"/>
+                <a16:creationId xmlns:a16="http://schemas.microsoft.com/office/drawing/2014/main" id="{036C5CEE-7AB1-DAD4-AE23-E9C180760DA7}"/>
               </a:ext>
             </a:extLst>
           </p:cNvPr>
@@ -1115,7 +1115,7 @@
           <p:cNvPr id="4" name="日期占位符 3">
             <a:extLst>
               <a:ext uri="{FF2B5EF4-FFF2-40B4-BE49-F238E27FC236}">
-                <a16:creationId xmlns:a16="http://schemas.microsoft.com/office/drawing/2014/main" id="{8F429586-D688-32BE-FF20-42916B5A2287}"/>
+                <a16:creationId xmlns:a16="http://schemas.microsoft.com/office/drawing/2014/main" id="{E6BC5FE2-CEF1-B810-530D-F470BF36797B}"/>
               </a:ext>
             </a:extLst>
           </p:cNvPr>
@@ -1131,7 +1131,7 @@
           <a:bodyPr/>
           <a:lstStyle/>
           <a:p>
-            <a:fld id="{C74F8C3B-DA85-4D14-A413-456B97E9042D}" type="datetimeFigureOut">
+            <a:fld id="{47372F97-C657-408B-ADD5-8B8782F29EDB}" type="datetimeFigureOut">
               <a:rPr lang="zh-CN" altLang="en-US" smtClean="0"/>
               <a:t>2024/3/10</a:t>
             </a:fld>
@@ -1144,7 +1144,7 @@
           <p:cNvPr id="5" name="页脚占位符 4">
             <a:extLst>
               <a:ext uri="{FF2B5EF4-FFF2-40B4-BE49-F238E27FC236}">
-                <a16:creationId xmlns:a16="http://schemas.microsoft.com/office/drawing/2014/main" id="{E141D501-2591-C33E-EEED-D9A716AE1973}"/>
+                <a16:creationId xmlns:a16="http://schemas.microsoft.com/office/drawing/2014/main" id="{F1194BAB-9972-3FC3-74B3-AB43DDC017F5}"/>
               </a:ext>
             </a:extLst>
           </p:cNvPr>
@@ -1169,7 +1169,7 @@
           <p:cNvPr id="6" name="灯片编号占位符 5">
             <a:extLst>
               <a:ext uri="{FF2B5EF4-FFF2-40B4-BE49-F238E27FC236}">
-                <a16:creationId xmlns:a16="http://schemas.microsoft.com/office/drawing/2014/main" id="{A1893AE3-058F-1096-70B7-B6A7AB581290}"/>
+                <a16:creationId xmlns:a16="http://schemas.microsoft.com/office/drawing/2014/main" id="{81F76D54-9828-A939-3C37-78AF2668A713}"/>
               </a:ext>
             </a:extLst>
           </p:cNvPr>
@@ -1185,7 +1185,7 @@
           <a:bodyPr/>
           <a:lstStyle/>
           <a:p>
-            <a:fld id="{A480D7B3-F9E7-4D37-9FC0-1632B71FE2B1}" type="slidenum">
+            <a:fld id="{6D93A34F-2A70-49E5-95AE-03A12C80B995}" type="slidenum">
               <a:rPr lang="zh-CN" altLang="en-US" smtClean="0"/>
               <a:t>‹#›</a:t>
             </a:fld>
@@ -1196,7 +1196,7 @@
     </p:spTree>
     <p:extLst>
       <p:ext uri="{BB962C8B-B14F-4D97-AF65-F5344CB8AC3E}">
-        <p14:creationId xmlns:p14="http://schemas.microsoft.com/office/powerpoint/2010/main" val="3945923333"/>
+        <p14:creationId xmlns:p14="http://schemas.microsoft.com/office/powerpoint/2010/main" val="1195330657"/>
       </p:ext>
     </p:extLst>
   </p:cSld>
@@ -1228,7 +1228,7 @@
           <p:cNvPr id="2" name="标题 1">
             <a:extLst>
               <a:ext uri="{FF2B5EF4-FFF2-40B4-BE49-F238E27FC236}">
-                <a16:creationId xmlns:a16="http://schemas.microsoft.com/office/drawing/2014/main" id="{02B8B720-9B92-73F9-3CF1-9B2D736A2B5D}"/>
+                <a16:creationId xmlns:a16="http://schemas.microsoft.com/office/drawing/2014/main" id="{FEE4F1F1-A91C-E3DC-E131-304BFF0ED5C0}"/>
               </a:ext>
             </a:extLst>
           </p:cNvPr>
@@ -1256,7 +1256,7 @@
           <p:cNvPr id="3" name="内容占位符 2">
             <a:extLst>
               <a:ext uri="{FF2B5EF4-FFF2-40B4-BE49-F238E27FC236}">
-                <a16:creationId xmlns:a16="http://schemas.microsoft.com/office/drawing/2014/main" id="{666A5D0D-46E5-335A-C279-288F6C5563D6}"/>
+                <a16:creationId xmlns:a16="http://schemas.microsoft.com/office/drawing/2014/main" id="{1DCEBE6D-4170-6982-F2CB-A5D0A95FD3F7}"/>
               </a:ext>
             </a:extLst>
           </p:cNvPr>
@@ -1318,7 +1318,7 @@
           <p:cNvPr id="4" name="内容占位符 3">
             <a:extLst>
               <a:ext uri="{FF2B5EF4-FFF2-40B4-BE49-F238E27FC236}">
-                <a16:creationId xmlns:a16="http://schemas.microsoft.com/office/drawing/2014/main" id="{7B349DC6-424C-1640-B334-3E8E31C70648}"/>
+                <a16:creationId xmlns:a16="http://schemas.microsoft.com/office/drawing/2014/main" id="{AD5CAF0C-6280-4624-9775-5232E0EB00E3}"/>
               </a:ext>
             </a:extLst>
           </p:cNvPr>
@@ -1380,7 +1380,7 @@
           <p:cNvPr id="5" name="日期占位符 4">
             <a:extLst>
               <a:ext uri="{FF2B5EF4-FFF2-40B4-BE49-F238E27FC236}">
-                <a16:creationId xmlns:a16="http://schemas.microsoft.com/office/drawing/2014/main" id="{DE6631C7-DB0B-2044-A903-6C9E30D3A71A}"/>
+                <a16:creationId xmlns:a16="http://schemas.microsoft.com/office/drawing/2014/main" id="{0BD51212-6C15-0975-BB06-30806ABCF9BA}"/>
               </a:ext>
             </a:extLst>
           </p:cNvPr>
@@ -1396,7 +1396,7 @@
           <a:bodyPr/>
           <a:lstStyle/>
           <a:p>
-            <a:fld id="{C74F8C3B-DA85-4D14-A413-456B97E9042D}" type="datetimeFigureOut">
+            <a:fld id="{47372F97-C657-408B-ADD5-8B8782F29EDB}" type="datetimeFigureOut">
               <a:rPr lang="zh-CN" altLang="en-US" smtClean="0"/>
               <a:t>2024/3/10</a:t>
             </a:fld>
@@ -1409,7 +1409,7 @@
           <p:cNvPr id="6" name="页脚占位符 5">
             <a:extLst>
               <a:ext uri="{FF2B5EF4-FFF2-40B4-BE49-F238E27FC236}">
-                <a16:creationId xmlns:a16="http://schemas.microsoft.com/office/drawing/2014/main" id="{F86B7980-7C64-CB85-430E-3D831D56775D}"/>
+                <a16:creationId xmlns:a16="http://schemas.microsoft.com/office/drawing/2014/main" id="{A5957223-B3A0-CDC7-95FF-A0F7EDA6062F}"/>
               </a:ext>
             </a:extLst>
           </p:cNvPr>
@@ -1434,7 +1434,7 @@
           <p:cNvPr id="7" name="灯片编号占位符 6">
             <a:extLst>
               <a:ext uri="{FF2B5EF4-FFF2-40B4-BE49-F238E27FC236}">
-                <a16:creationId xmlns:a16="http://schemas.microsoft.com/office/drawing/2014/main" id="{DEE578BF-B34C-E2A2-A9CD-47B4802F1AC2}"/>
+                <a16:creationId xmlns:a16="http://schemas.microsoft.com/office/drawing/2014/main" id="{5FEBA7C5-E2AC-7C8A-5921-5B1F83DC09A7}"/>
               </a:ext>
             </a:extLst>
           </p:cNvPr>
@@ -1450,7 +1450,7 @@
           <a:bodyPr/>
           <a:lstStyle/>
           <a:p>
-            <a:fld id="{A480D7B3-F9E7-4D37-9FC0-1632B71FE2B1}" type="slidenum">
+            <a:fld id="{6D93A34F-2A70-49E5-95AE-03A12C80B995}" type="slidenum">
               <a:rPr lang="zh-CN" altLang="en-US" smtClean="0"/>
               <a:t>‹#›</a:t>
             </a:fld>
@@ -1461,7 +1461,7 @@
     </p:spTree>
     <p:extLst>
       <p:ext uri="{BB962C8B-B14F-4D97-AF65-F5344CB8AC3E}">
-        <p14:creationId xmlns:p14="http://schemas.microsoft.com/office/powerpoint/2010/main" val="2548290598"/>
+        <p14:creationId xmlns:p14="http://schemas.microsoft.com/office/powerpoint/2010/main" val="313423921"/>
       </p:ext>
     </p:extLst>
   </p:cSld>
@@ -1493,7 +1493,7 @@
           <p:cNvPr id="2" name="标题 1">
             <a:extLst>
               <a:ext uri="{FF2B5EF4-FFF2-40B4-BE49-F238E27FC236}">
-                <a16:creationId xmlns:a16="http://schemas.microsoft.com/office/drawing/2014/main" id="{AF7E4AEF-4C48-FEB5-2E3B-8A80473233B5}"/>
+                <a16:creationId xmlns:a16="http://schemas.microsoft.com/office/drawing/2014/main" id="{7C324D40-55D5-14FC-5415-6E5CA23F2EAA}"/>
               </a:ext>
             </a:extLst>
           </p:cNvPr>
@@ -1526,7 +1526,7 @@
           <p:cNvPr id="3" name="文本占位符 2">
             <a:extLst>
               <a:ext uri="{FF2B5EF4-FFF2-40B4-BE49-F238E27FC236}">
-                <a16:creationId xmlns:a16="http://schemas.microsoft.com/office/drawing/2014/main" id="{DFAE2E8E-D7F4-69D8-EF21-F78C8872E59E}"/>
+                <a16:creationId xmlns:a16="http://schemas.microsoft.com/office/drawing/2014/main" id="{EBC2AC4D-71D0-B443-12A2-5BD7230EB637}"/>
               </a:ext>
             </a:extLst>
           </p:cNvPr>
@@ -1597,7 +1597,7 @@
           <p:cNvPr id="4" name="内容占位符 3">
             <a:extLst>
               <a:ext uri="{FF2B5EF4-FFF2-40B4-BE49-F238E27FC236}">
-                <a16:creationId xmlns:a16="http://schemas.microsoft.com/office/drawing/2014/main" id="{5B596185-DD5C-A8E8-E1FA-2128C31F2DD5}"/>
+                <a16:creationId xmlns:a16="http://schemas.microsoft.com/office/drawing/2014/main" id="{2E62FFA1-C85F-1FE3-3D61-0D64BA8D4319}"/>
               </a:ext>
             </a:extLst>
           </p:cNvPr>
@@ -1659,7 +1659,7 @@
           <p:cNvPr id="5" name="文本占位符 4">
             <a:extLst>
               <a:ext uri="{FF2B5EF4-FFF2-40B4-BE49-F238E27FC236}">
-                <a16:creationId xmlns:a16="http://schemas.microsoft.com/office/drawing/2014/main" id="{FE68F1D7-42D4-7FB1-C38E-1C9D6700923E}"/>
+                <a16:creationId xmlns:a16="http://schemas.microsoft.com/office/drawing/2014/main" id="{290E8911-C7AE-1789-411F-89B25E1FA315}"/>
               </a:ext>
             </a:extLst>
           </p:cNvPr>
@@ -1730,7 +1730,7 @@
           <p:cNvPr id="6" name="内容占位符 5">
             <a:extLst>
               <a:ext uri="{FF2B5EF4-FFF2-40B4-BE49-F238E27FC236}">
-                <a16:creationId xmlns:a16="http://schemas.microsoft.com/office/drawing/2014/main" id="{42AA80C8-601D-41F9-F415-D756241A35B8}"/>
+                <a16:creationId xmlns:a16="http://schemas.microsoft.com/office/drawing/2014/main" id="{F50FD934-955A-272C-4544-E040CC25AD9D}"/>
               </a:ext>
             </a:extLst>
           </p:cNvPr>
@@ -1792,7 +1792,7 @@
           <p:cNvPr id="7" name="日期占位符 6">
             <a:extLst>
               <a:ext uri="{FF2B5EF4-FFF2-40B4-BE49-F238E27FC236}">
-                <a16:creationId xmlns:a16="http://schemas.microsoft.com/office/drawing/2014/main" id="{10628B26-F89F-B2D3-2243-53AD041C7914}"/>
+                <a16:creationId xmlns:a16="http://schemas.microsoft.com/office/drawing/2014/main" id="{76265B38-C86B-95DC-8795-1035B712D20B}"/>
               </a:ext>
             </a:extLst>
           </p:cNvPr>
@@ -1808,7 +1808,7 @@
           <a:bodyPr/>
           <a:lstStyle/>
           <a:p>
-            <a:fld id="{C74F8C3B-DA85-4D14-A413-456B97E9042D}" type="datetimeFigureOut">
+            <a:fld id="{47372F97-C657-408B-ADD5-8B8782F29EDB}" type="datetimeFigureOut">
               <a:rPr lang="zh-CN" altLang="en-US" smtClean="0"/>
               <a:t>2024/3/10</a:t>
             </a:fld>
@@ -1821,7 +1821,7 @@
           <p:cNvPr id="8" name="页脚占位符 7">
             <a:extLst>
               <a:ext uri="{FF2B5EF4-FFF2-40B4-BE49-F238E27FC236}">
-                <a16:creationId xmlns:a16="http://schemas.microsoft.com/office/drawing/2014/main" id="{10D68F6A-2F66-2BD0-0512-8507BA3620C3}"/>
+                <a16:creationId xmlns:a16="http://schemas.microsoft.com/office/drawing/2014/main" id="{7A6CCB0A-1507-D7DD-8EC5-36D18C32F25C}"/>
               </a:ext>
             </a:extLst>
           </p:cNvPr>
@@ -1846,7 +1846,7 @@
           <p:cNvPr id="9" name="灯片编号占位符 8">
             <a:extLst>
               <a:ext uri="{FF2B5EF4-FFF2-40B4-BE49-F238E27FC236}">
-                <a16:creationId xmlns:a16="http://schemas.microsoft.com/office/drawing/2014/main" id="{F6EB431D-EF82-5104-0582-942AB56CF33A}"/>
+                <a16:creationId xmlns:a16="http://schemas.microsoft.com/office/drawing/2014/main" id="{954EFB3B-ECCE-1C8C-ACE7-D00F56270AA5}"/>
               </a:ext>
             </a:extLst>
           </p:cNvPr>
@@ -1862,7 +1862,7 @@
           <a:bodyPr/>
           <a:lstStyle/>
           <a:p>
-            <a:fld id="{A480D7B3-F9E7-4D37-9FC0-1632B71FE2B1}" type="slidenum">
+            <a:fld id="{6D93A34F-2A70-49E5-95AE-03A12C80B995}" type="slidenum">
               <a:rPr lang="zh-CN" altLang="en-US" smtClean="0"/>
               <a:t>‹#›</a:t>
             </a:fld>
@@ -1873,7 +1873,7 @@
     </p:spTree>
     <p:extLst>
       <p:ext uri="{BB962C8B-B14F-4D97-AF65-F5344CB8AC3E}">
-        <p14:creationId xmlns:p14="http://schemas.microsoft.com/office/powerpoint/2010/main" val="149880261"/>
+        <p14:creationId xmlns:p14="http://schemas.microsoft.com/office/powerpoint/2010/main" val="1170351878"/>
       </p:ext>
     </p:extLst>
   </p:cSld>
@@ -1905,7 +1905,7 @@
           <p:cNvPr id="2" name="标题 1">
             <a:extLst>
               <a:ext uri="{FF2B5EF4-FFF2-40B4-BE49-F238E27FC236}">
-                <a16:creationId xmlns:a16="http://schemas.microsoft.com/office/drawing/2014/main" id="{C26D12DD-B606-F092-6DAE-8ABD29FADD0F}"/>
+                <a16:creationId xmlns:a16="http://schemas.microsoft.com/office/drawing/2014/main" id="{25A0D042-538E-D527-8A0C-EF9E23298E23}"/>
               </a:ext>
             </a:extLst>
           </p:cNvPr>
@@ -1933,7 +1933,7 @@
           <p:cNvPr id="3" name="日期占位符 2">
             <a:extLst>
               <a:ext uri="{FF2B5EF4-FFF2-40B4-BE49-F238E27FC236}">
-                <a16:creationId xmlns:a16="http://schemas.microsoft.com/office/drawing/2014/main" id="{3C85BC89-D00F-8B5B-6369-9DB037774BF4}"/>
+                <a16:creationId xmlns:a16="http://schemas.microsoft.com/office/drawing/2014/main" id="{38601732-3ED7-9ED6-1ECA-243513DFCC30}"/>
               </a:ext>
             </a:extLst>
           </p:cNvPr>
@@ -1949,7 +1949,7 @@
           <a:bodyPr/>
           <a:lstStyle/>
           <a:p>
-            <a:fld id="{C74F8C3B-DA85-4D14-A413-456B97E9042D}" type="datetimeFigureOut">
+            <a:fld id="{47372F97-C657-408B-ADD5-8B8782F29EDB}" type="datetimeFigureOut">
               <a:rPr lang="zh-CN" altLang="en-US" smtClean="0"/>
               <a:t>2024/3/10</a:t>
             </a:fld>
@@ -1962,7 +1962,7 @@
           <p:cNvPr id="4" name="页脚占位符 3">
             <a:extLst>
               <a:ext uri="{FF2B5EF4-FFF2-40B4-BE49-F238E27FC236}">
-                <a16:creationId xmlns:a16="http://schemas.microsoft.com/office/drawing/2014/main" id="{3FE481D7-14E2-6A13-83A0-4CC48D8CD2C2}"/>
+                <a16:creationId xmlns:a16="http://schemas.microsoft.com/office/drawing/2014/main" id="{77613D33-4225-F562-27D8-7B9E89781515}"/>
               </a:ext>
             </a:extLst>
           </p:cNvPr>
@@ -1987,7 +1987,7 @@
           <p:cNvPr id="5" name="灯片编号占位符 4">
             <a:extLst>
               <a:ext uri="{FF2B5EF4-FFF2-40B4-BE49-F238E27FC236}">
-                <a16:creationId xmlns:a16="http://schemas.microsoft.com/office/drawing/2014/main" id="{11B08983-8434-FC95-86B2-9C29DAE893D3}"/>
+                <a16:creationId xmlns:a16="http://schemas.microsoft.com/office/drawing/2014/main" id="{BA03CFB3-705B-9A3E-09D7-4843CB7F26C3}"/>
               </a:ext>
             </a:extLst>
           </p:cNvPr>
@@ -2003,7 +2003,7 @@
           <a:bodyPr/>
           <a:lstStyle/>
           <a:p>
-            <a:fld id="{A480D7B3-F9E7-4D37-9FC0-1632B71FE2B1}" type="slidenum">
+            <a:fld id="{6D93A34F-2A70-49E5-95AE-03A12C80B995}" type="slidenum">
               <a:rPr lang="zh-CN" altLang="en-US" smtClean="0"/>
               <a:t>‹#›</a:t>
             </a:fld>
@@ -2014,7 +2014,7 @@
     </p:spTree>
     <p:extLst>
       <p:ext uri="{BB962C8B-B14F-4D97-AF65-F5344CB8AC3E}">
-        <p14:creationId xmlns:p14="http://schemas.microsoft.com/office/powerpoint/2010/main" val="3607088788"/>
+        <p14:creationId xmlns:p14="http://schemas.microsoft.com/office/powerpoint/2010/main" val="2893747946"/>
       </p:ext>
     </p:extLst>
   </p:cSld>
@@ -2046,7 +2046,7 @@
           <p:cNvPr id="2" name="日期占位符 1">
             <a:extLst>
               <a:ext uri="{FF2B5EF4-FFF2-40B4-BE49-F238E27FC236}">
-                <a16:creationId xmlns:a16="http://schemas.microsoft.com/office/drawing/2014/main" id="{BE89AC43-F0A5-28FB-631D-A53A28711322}"/>
+                <a16:creationId xmlns:a16="http://schemas.microsoft.com/office/drawing/2014/main" id="{CBD629B7-6826-CAE8-53A2-E4FECA7C5D7D}"/>
               </a:ext>
             </a:extLst>
           </p:cNvPr>
@@ -2062,7 +2062,7 @@
           <a:bodyPr/>
           <a:lstStyle/>
           <a:p>
-            <a:fld id="{C74F8C3B-DA85-4D14-A413-456B97E9042D}" type="datetimeFigureOut">
+            <a:fld id="{47372F97-C657-408B-ADD5-8B8782F29EDB}" type="datetimeFigureOut">
               <a:rPr lang="zh-CN" altLang="en-US" smtClean="0"/>
               <a:t>2024/3/10</a:t>
             </a:fld>
@@ -2075,7 +2075,7 @@
           <p:cNvPr id="3" name="页脚占位符 2">
             <a:extLst>
               <a:ext uri="{FF2B5EF4-FFF2-40B4-BE49-F238E27FC236}">
-                <a16:creationId xmlns:a16="http://schemas.microsoft.com/office/drawing/2014/main" id="{68EEC418-51E6-D45F-7C30-EE790C7AEA7A}"/>
+                <a16:creationId xmlns:a16="http://schemas.microsoft.com/office/drawing/2014/main" id="{A4E60159-7E8C-A49F-C0FB-5C96D3EF221A}"/>
               </a:ext>
             </a:extLst>
           </p:cNvPr>
@@ -2100,7 +2100,7 @@
           <p:cNvPr id="4" name="灯片编号占位符 3">
             <a:extLst>
               <a:ext uri="{FF2B5EF4-FFF2-40B4-BE49-F238E27FC236}">
-                <a16:creationId xmlns:a16="http://schemas.microsoft.com/office/drawing/2014/main" id="{12406D79-82C3-1988-0A50-CAE31B49F21A}"/>
+                <a16:creationId xmlns:a16="http://schemas.microsoft.com/office/drawing/2014/main" id="{EFFEEA15-CE02-454B-2DA9-F832A4B1F229}"/>
               </a:ext>
             </a:extLst>
           </p:cNvPr>
@@ -2116,7 +2116,7 @@
           <a:bodyPr/>
           <a:lstStyle/>
           <a:p>
-            <a:fld id="{A480D7B3-F9E7-4D37-9FC0-1632B71FE2B1}" type="slidenum">
+            <a:fld id="{6D93A34F-2A70-49E5-95AE-03A12C80B995}" type="slidenum">
               <a:rPr lang="zh-CN" altLang="en-US" smtClean="0"/>
               <a:t>‹#›</a:t>
             </a:fld>
@@ -2127,7 +2127,7 @@
     </p:spTree>
     <p:extLst>
       <p:ext uri="{BB962C8B-B14F-4D97-AF65-F5344CB8AC3E}">
-        <p14:creationId xmlns:p14="http://schemas.microsoft.com/office/powerpoint/2010/main" val="1181598758"/>
+        <p14:creationId xmlns:p14="http://schemas.microsoft.com/office/powerpoint/2010/main" val="2635244415"/>
       </p:ext>
     </p:extLst>
   </p:cSld>
@@ -2159,7 +2159,7 @@
           <p:cNvPr id="2" name="标题 1">
             <a:extLst>
               <a:ext uri="{FF2B5EF4-FFF2-40B4-BE49-F238E27FC236}">
-                <a16:creationId xmlns:a16="http://schemas.microsoft.com/office/drawing/2014/main" id="{D6C827BD-33B1-6927-A686-78B1B791B299}"/>
+                <a16:creationId xmlns:a16="http://schemas.microsoft.com/office/drawing/2014/main" id="{9B830C7D-0C2E-587C-C317-7AC49C7CB015}"/>
               </a:ext>
             </a:extLst>
           </p:cNvPr>
@@ -2196,7 +2196,7 @@
           <p:cNvPr id="3" name="内容占位符 2">
             <a:extLst>
               <a:ext uri="{FF2B5EF4-FFF2-40B4-BE49-F238E27FC236}">
-                <a16:creationId xmlns:a16="http://schemas.microsoft.com/office/drawing/2014/main" id="{F1C032F8-32BA-D096-9606-3DD31CD775BB}"/>
+                <a16:creationId xmlns:a16="http://schemas.microsoft.com/office/drawing/2014/main" id="{AA42812F-E78D-2E7A-95FF-C3B10BA057A3}"/>
               </a:ext>
             </a:extLst>
           </p:cNvPr>
@@ -2286,7 +2286,7 @@
           <p:cNvPr id="4" name="文本占位符 3">
             <a:extLst>
               <a:ext uri="{FF2B5EF4-FFF2-40B4-BE49-F238E27FC236}">
-                <a16:creationId xmlns:a16="http://schemas.microsoft.com/office/drawing/2014/main" id="{189CE8A5-22D4-7CDB-36DA-3057E0C96F48}"/>
+                <a16:creationId xmlns:a16="http://schemas.microsoft.com/office/drawing/2014/main" id="{B6EAF4C6-9EAA-C2D8-E108-12BCCE4FA076}"/>
               </a:ext>
             </a:extLst>
           </p:cNvPr>
@@ -2357,7 +2357,7 @@
           <p:cNvPr id="5" name="日期占位符 4">
             <a:extLst>
               <a:ext uri="{FF2B5EF4-FFF2-40B4-BE49-F238E27FC236}">
-                <a16:creationId xmlns:a16="http://schemas.microsoft.com/office/drawing/2014/main" id="{4BA55445-E3B8-2CEF-6C25-D99B90823CE2}"/>
+                <a16:creationId xmlns:a16="http://schemas.microsoft.com/office/drawing/2014/main" id="{D2E535B4-B87A-FC87-7BDD-322FCD11C174}"/>
               </a:ext>
             </a:extLst>
           </p:cNvPr>
@@ -2373,7 +2373,7 @@
           <a:bodyPr/>
           <a:lstStyle/>
           <a:p>
-            <a:fld id="{C74F8C3B-DA85-4D14-A413-456B97E9042D}" type="datetimeFigureOut">
+            <a:fld id="{47372F97-C657-408B-ADD5-8B8782F29EDB}" type="datetimeFigureOut">
               <a:rPr lang="zh-CN" altLang="en-US" smtClean="0"/>
               <a:t>2024/3/10</a:t>
             </a:fld>
@@ -2386,7 +2386,7 @@
           <p:cNvPr id="6" name="页脚占位符 5">
             <a:extLst>
               <a:ext uri="{FF2B5EF4-FFF2-40B4-BE49-F238E27FC236}">
-                <a16:creationId xmlns:a16="http://schemas.microsoft.com/office/drawing/2014/main" id="{467A7593-DEFF-61E3-B539-FC3A47F5E545}"/>
+                <a16:creationId xmlns:a16="http://schemas.microsoft.com/office/drawing/2014/main" id="{01294357-5EB5-D736-B700-A82503AA2915}"/>
               </a:ext>
             </a:extLst>
           </p:cNvPr>
@@ -2411,7 +2411,7 @@
           <p:cNvPr id="7" name="灯片编号占位符 6">
             <a:extLst>
               <a:ext uri="{FF2B5EF4-FFF2-40B4-BE49-F238E27FC236}">
-                <a16:creationId xmlns:a16="http://schemas.microsoft.com/office/drawing/2014/main" id="{BC969645-A18A-1FFF-66C0-B8CBCC38859F}"/>
+                <a16:creationId xmlns:a16="http://schemas.microsoft.com/office/drawing/2014/main" id="{3C8BAD57-3DC0-DFA3-0F07-8DAA4B7112D9}"/>
               </a:ext>
             </a:extLst>
           </p:cNvPr>
@@ -2427,7 +2427,7 @@
           <a:bodyPr/>
           <a:lstStyle/>
           <a:p>
-            <a:fld id="{A480D7B3-F9E7-4D37-9FC0-1632B71FE2B1}" type="slidenum">
+            <a:fld id="{6D93A34F-2A70-49E5-95AE-03A12C80B995}" type="slidenum">
               <a:rPr lang="zh-CN" altLang="en-US" smtClean="0"/>
               <a:t>‹#›</a:t>
             </a:fld>
@@ -2438,7 +2438,7 @@
     </p:spTree>
     <p:extLst>
       <p:ext uri="{BB962C8B-B14F-4D97-AF65-F5344CB8AC3E}">
-        <p14:creationId xmlns:p14="http://schemas.microsoft.com/office/powerpoint/2010/main" val="232590375"/>
+        <p14:creationId xmlns:p14="http://schemas.microsoft.com/office/powerpoint/2010/main" val="787576424"/>
       </p:ext>
     </p:extLst>
   </p:cSld>
@@ -2470,7 +2470,7 @@
           <p:cNvPr id="2" name="标题 1">
             <a:extLst>
               <a:ext uri="{FF2B5EF4-FFF2-40B4-BE49-F238E27FC236}">
-                <a16:creationId xmlns:a16="http://schemas.microsoft.com/office/drawing/2014/main" id="{B16342EF-A4D7-0057-5C81-B94388F2EEFD}"/>
+                <a16:creationId xmlns:a16="http://schemas.microsoft.com/office/drawing/2014/main" id="{BF1E1C42-84A6-31AE-7BE4-FAE7D970DCD0}"/>
               </a:ext>
             </a:extLst>
           </p:cNvPr>
@@ -2507,7 +2507,7 @@
           <p:cNvPr id="3" name="图片占位符 2">
             <a:extLst>
               <a:ext uri="{FF2B5EF4-FFF2-40B4-BE49-F238E27FC236}">
-                <a16:creationId xmlns:a16="http://schemas.microsoft.com/office/drawing/2014/main" id="{8010E218-C93B-7662-3E44-006C9399F018}"/>
+                <a16:creationId xmlns:a16="http://schemas.microsoft.com/office/drawing/2014/main" id="{D379419F-09AF-EBA8-DCB5-B4727F8CB650}"/>
               </a:ext>
             </a:extLst>
           </p:cNvPr>
@@ -2574,7 +2574,7 @@
           <p:cNvPr id="4" name="文本占位符 3">
             <a:extLst>
               <a:ext uri="{FF2B5EF4-FFF2-40B4-BE49-F238E27FC236}">
-                <a16:creationId xmlns:a16="http://schemas.microsoft.com/office/drawing/2014/main" id="{7EF51EFD-CD48-FBB3-B0CF-3BFE3C1E8822}"/>
+                <a16:creationId xmlns:a16="http://schemas.microsoft.com/office/drawing/2014/main" id="{D8967412-8BCF-E587-3299-749FEBF985B5}"/>
               </a:ext>
             </a:extLst>
           </p:cNvPr>
@@ -2645,7 +2645,7 @@
           <p:cNvPr id="5" name="日期占位符 4">
             <a:extLst>
               <a:ext uri="{FF2B5EF4-FFF2-40B4-BE49-F238E27FC236}">
-                <a16:creationId xmlns:a16="http://schemas.microsoft.com/office/drawing/2014/main" id="{03A8E732-E1D3-B99F-AFA9-45FC800DCA56}"/>
+                <a16:creationId xmlns:a16="http://schemas.microsoft.com/office/drawing/2014/main" id="{8A4912C6-54D9-D61B-5821-896DC9E7B366}"/>
               </a:ext>
             </a:extLst>
           </p:cNvPr>
@@ -2661,7 +2661,7 @@
           <a:bodyPr/>
           <a:lstStyle/>
           <a:p>
-            <a:fld id="{C74F8C3B-DA85-4D14-A413-456B97E9042D}" type="datetimeFigureOut">
+            <a:fld id="{47372F97-C657-408B-ADD5-8B8782F29EDB}" type="datetimeFigureOut">
               <a:rPr lang="zh-CN" altLang="en-US" smtClean="0"/>
               <a:t>2024/3/10</a:t>
             </a:fld>
@@ -2674,7 +2674,7 @@
           <p:cNvPr id="6" name="页脚占位符 5">
             <a:extLst>
               <a:ext uri="{FF2B5EF4-FFF2-40B4-BE49-F238E27FC236}">
-                <a16:creationId xmlns:a16="http://schemas.microsoft.com/office/drawing/2014/main" id="{434C5016-8AA5-E861-A213-27536FEF6429}"/>
+                <a16:creationId xmlns:a16="http://schemas.microsoft.com/office/drawing/2014/main" id="{ED7939DB-89D8-DE5C-42BA-484384649949}"/>
               </a:ext>
             </a:extLst>
           </p:cNvPr>
@@ -2699,7 +2699,7 @@
           <p:cNvPr id="7" name="灯片编号占位符 6">
             <a:extLst>
               <a:ext uri="{FF2B5EF4-FFF2-40B4-BE49-F238E27FC236}">
-                <a16:creationId xmlns:a16="http://schemas.microsoft.com/office/drawing/2014/main" id="{249D807E-E534-E62D-2CD9-27277FB814C6}"/>
+                <a16:creationId xmlns:a16="http://schemas.microsoft.com/office/drawing/2014/main" id="{A69FC278-BDE0-737C-2BA3-F0447995D023}"/>
               </a:ext>
             </a:extLst>
           </p:cNvPr>
@@ -2715,7 +2715,7 @@
           <a:bodyPr/>
           <a:lstStyle/>
           <a:p>
-            <a:fld id="{A480D7B3-F9E7-4D37-9FC0-1632B71FE2B1}" type="slidenum">
+            <a:fld id="{6D93A34F-2A70-49E5-95AE-03A12C80B995}" type="slidenum">
               <a:rPr lang="zh-CN" altLang="en-US" smtClean="0"/>
               <a:t>‹#›</a:t>
             </a:fld>
@@ -2726,7 +2726,7 @@
     </p:spTree>
     <p:extLst>
       <p:ext uri="{BB962C8B-B14F-4D97-AF65-F5344CB8AC3E}">
-        <p14:creationId xmlns:p14="http://schemas.microsoft.com/office/powerpoint/2010/main" val="1388968103"/>
+        <p14:creationId xmlns:p14="http://schemas.microsoft.com/office/powerpoint/2010/main" val="2378270820"/>
       </p:ext>
     </p:extLst>
   </p:cSld>
@@ -2763,7 +2763,7 @@
           <p:cNvPr id="2" name="标题占位符 1">
             <a:extLst>
               <a:ext uri="{FF2B5EF4-FFF2-40B4-BE49-F238E27FC236}">
-                <a16:creationId xmlns:a16="http://schemas.microsoft.com/office/drawing/2014/main" id="{14D62D92-F9E5-C15E-0E2E-49CEF3663AD3}"/>
+                <a16:creationId xmlns:a16="http://schemas.microsoft.com/office/drawing/2014/main" id="{29BF90F7-51FD-3572-7303-F8A517E1F191}"/>
               </a:ext>
             </a:extLst>
           </p:cNvPr>
@@ -2801,7 +2801,7 @@
           <p:cNvPr id="3" name="文本占位符 2">
             <a:extLst>
               <a:ext uri="{FF2B5EF4-FFF2-40B4-BE49-F238E27FC236}">
-                <a16:creationId xmlns:a16="http://schemas.microsoft.com/office/drawing/2014/main" id="{CB3405E8-BE83-FE12-7294-C9DEA4289B4C}"/>
+                <a16:creationId xmlns:a16="http://schemas.microsoft.com/office/drawing/2014/main" id="{C54C03B9-C9D3-2D01-5619-57B7398AA6C1}"/>
               </a:ext>
             </a:extLst>
           </p:cNvPr>
@@ -2868,7 +2868,7 @@
           <p:cNvPr id="4" name="日期占位符 3">
             <a:extLst>
               <a:ext uri="{FF2B5EF4-FFF2-40B4-BE49-F238E27FC236}">
-                <a16:creationId xmlns:a16="http://schemas.microsoft.com/office/drawing/2014/main" id="{A3AB8311-83BA-7A08-0291-709732201414}"/>
+                <a16:creationId xmlns:a16="http://schemas.microsoft.com/office/drawing/2014/main" id="{5F8D5D7F-A821-84DB-1047-CE0858098F41}"/>
               </a:ext>
             </a:extLst>
           </p:cNvPr>
@@ -2902,7 +2902,7 @@
             </a:lvl1pPr>
           </a:lstStyle>
           <a:p>
-            <a:fld id="{C74F8C3B-DA85-4D14-A413-456B97E9042D}" type="datetimeFigureOut">
+            <a:fld id="{47372F97-C657-408B-ADD5-8B8782F29EDB}" type="datetimeFigureOut">
               <a:rPr lang="zh-CN" altLang="en-US" smtClean="0"/>
               <a:t>2024/3/10</a:t>
             </a:fld>
@@ -2915,7 +2915,7 @@
           <p:cNvPr id="5" name="页脚占位符 4">
             <a:extLst>
               <a:ext uri="{FF2B5EF4-FFF2-40B4-BE49-F238E27FC236}">
-                <a16:creationId xmlns:a16="http://schemas.microsoft.com/office/drawing/2014/main" id="{8D5E9F8D-FEC9-8A53-18F1-F246399F1C68}"/>
+                <a16:creationId xmlns:a16="http://schemas.microsoft.com/office/drawing/2014/main" id="{73145834-2A92-83FB-7FFF-97B52734B899}"/>
               </a:ext>
             </a:extLst>
           </p:cNvPr>
@@ -2958,7 +2958,7 @@
           <p:cNvPr id="6" name="灯片编号占位符 5">
             <a:extLst>
               <a:ext uri="{FF2B5EF4-FFF2-40B4-BE49-F238E27FC236}">
-                <a16:creationId xmlns:a16="http://schemas.microsoft.com/office/drawing/2014/main" id="{37BA50FF-201B-D46A-3170-22FE3666E87F}"/>
+                <a16:creationId xmlns:a16="http://schemas.microsoft.com/office/drawing/2014/main" id="{F490664A-8523-B98F-766F-5DCE97A222B5}"/>
               </a:ext>
             </a:extLst>
           </p:cNvPr>
@@ -2992,7 +2992,7 @@
             </a:lvl1pPr>
           </a:lstStyle>
           <a:p>
-            <a:fld id="{A480D7B3-F9E7-4D37-9FC0-1632B71FE2B1}" type="slidenum">
+            <a:fld id="{6D93A34F-2A70-49E5-95AE-03A12C80B995}" type="slidenum">
               <a:rPr lang="zh-CN" altLang="en-US" smtClean="0"/>
               <a:t>‹#›</a:t>
             </a:fld>
@@ -3003,7 +3003,7 @@
     </p:spTree>
     <p:extLst>
       <p:ext uri="{BB962C8B-B14F-4D97-AF65-F5344CB8AC3E}">
-        <p14:creationId xmlns:p14="http://schemas.microsoft.com/office/powerpoint/2010/main" val="340628840"/>
+        <p14:creationId xmlns:p14="http://schemas.microsoft.com/office/powerpoint/2010/main" val="3543831431"/>
       </p:ext>
     </p:extLst>
   </p:cSld>
